--- a/sem2-slides/3.2 sockets app.pptx
+++ b/sem2-slides/3.2 sockets app.pptx
@@ -116,7 +116,49 @@
       </a:defRPr>
     </a:lvl9pPr>
   </p:defaultTextStyle>
+  <p:extLst>
+    <p:ext uri="{EFAFB233-063F-42B5-8137-9DF3F51BA10A}">
+      <p15:sldGuideLst xmlns:p15="http://schemas.microsoft.com/office/powerpoint/2012/main"/>
+    </p:ext>
+  </p:extLst>
 </p:presentation>
+</file>
+
+<file path=ppt/changesInfos/changesInfo1.xml><?xml version="1.0" encoding="utf-8"?>
+<pc:chgInfo xmlns:a="http://schemas.openxmlformats.org/drawingml/2006/main" xmlns:r="http://schemas.openxmlformats.org/officeDocument/2006/relationships" xmlns:ac="http://schemas.microsoft.com/office/drawing/2013/main/command" xmlns:pc="http://schemas.microsoft.com/office/powerpoint/2013/main/command">
+  <pc:docChgLst>
+    <pc:chgData name="Andrew Beatty" userId="b3294954-d4b5-4a40-95d7-bd84a7c4023c" providerId="ADAL" clId="{435CC694-2304-4B4C-824B-3B46219CA929}"/>
+    <pc:docChg chg="custSel modSld">
+      <pc:chgData name="Andrew Beatty" userId="b3294954-d4b5-4a40-95d7-bd84a7c4023c" providerId="ADAL" clId="{435CC694-2304-4B4C-824B-3B46219CA929}" dt="2021-10-20T14:26:28.018" v="3" actId="478"/>
+      <pc:docMkLst>
+        <pc:docMk/>
+      </pc:docMkLst>
+      <pc:sldChg chg="delSp modSp mod">
+        <pc:chgData name="Andrew Beatty" userId="b3294954-d4b5-4a40-95d7-bd84a7c4023c" providerId="ADAL" clId="{435CC694-2304-4B4C-824B-3B46219CA929}" dt="2021-10-20T14:26:28.018" v="3" actId="478"/>
+        <pc:sldMkLst>
+          <pc:docMk/>
+          <pc:sldMk cId="3766175034" sldId="260"/>
+        </pc:sldMkLst>
+        <pc:spChg chg="mod">
+          <ac:chgData name="Andrew Beatty" userId="b3294954-d4b5-4a40-95d7-bd84a7c4023c" providerId="ADAL" clId="{435CC694-2304-4B4C-824B-3B46219CA929}" dt="2021-10-20T14:24:52.506" v="2" actId="1076"/>
+          <ac:spMkLst>
+            <pc:docMk/>
+            <pc:sldMk cId="3766175034" sldId="260"/>
+            <ac:spMk id="3" creationId="{8B26A0C8-95E3-4A45-A853-2B336B02F784}"/>
+          </ac:spMkLst>
+        </pc:spChg>
+        <pc:spChg chg="del mod">
+          <ac:chgData name="Andrew Beatty" userId="b3294954-d4b5-4a40-95d7-bd84a7c4023c" providerId="ADAL" clId="{435CC694-2304-4B4C-824B-3B46219CA929}" dt="2021-10-20T14:26:28.018" v="3" actId="478"/>
+          <ac:spMkLst>
+            <pc:docMk/>
+            <pc:sldMk cId="3766175034" sldId="260"/>
+            <ac:spMk id="4" creationId="{2F84B7D3-B387-4D0E-B145-E8D97B3450BC}"/>
+          </ac:spMkLst>
+        </pc:spChg>
+      </pc:sldChg>
+    </pc:docChg>
+  </pc:docChgLst>
+</pc:chgInfo>
 </file>
 
 <file path=ppt/slideLayouts/slideLayout1.xml><?xml version="1.0" encoding="utf-8"?>
@@ -11113,9 +11155,12 @@
         </p:nvSpPr>
         <p:spPr>
           <a:xfrm>
-            <a:off x="1069848" y="2121409"/>
+            <a:off x="1249602" y="1894763"/>
             <a:ext cx="4542387" cy="1007686"/>
           </a:xfrm>
+          <a:solidFill>
+            <a:schemeClr val="tx1"/>
+          </a:solidFill>
         </p:spPr>
         <p:txBody>
           <a:bodyPr>
@@ -11554,660 +11599,6 @@
               <a:effectLst/>
               <a:latin typeface="Hasklig"/>
             </a:endParaRPr>
-          </a:p>
-          <a:p>
-            <a:endParaRPr lang="en-IE" dirty="0"/>
-          </a:p>
-        </p:txBody>
-      </p:sp>
-      <p:sp>
-        <p:nvSpPr>
-          <p:cNvPr id="4" name="TextBox 3">
-            <a:extLst>
-              <a:ext uri="{FF2B5EF4-FFF2-40B4-BE49-F238E27FC236}">
-                <a16:creationId xmlns:a16="http://schemas.microsoft.com/office/drawing/2014/main" id="{2F84B7D3-B387-4D0E-B145-E8D97B3450BC}"/>
-              </a:ext>
-            </a:extLst>
-          </p:cNvPr>
-          <p:cNvSpPr txBox="1"/>
-          <p:nvPr/>
-        </p:nvSpPr>
-        <p:spPr>
-          <a:xfrm>
-            <a:off x="1069848" y="3156528"/>
-            <a:ext cx="5658472" cy="3323987"/>
-          </a:xfrm>
-          <a:prstGeom prst="rect">
-            <a:avLst/>
-          </a:prstGeom>
-          <a:noFill/>
-        </p:spPr>
-        <p:txBody>
-          <a:bodyPr wrap="none" rtlCol="0">
-            <a:spAutoFit/>
-          </a:bodyPr>
-          <a:lstStyle/>
-          <a:p>
-            <a:r>
-              <a:rPr lang="en-IE" sz="1600" b="0" dirty="0">
-                <a:solidFill>
-                  <a:srgbClr val="569CD6"/>
-                </a:solidFill>
-                <a:effectLst/>
-                <a:latin typeface="Hasklig"/>
-              </a:rPr>
-              <a:t>def</a:t>
-            </a:r>
-            <a:r>
-              <a:rPr lang="en-IE" sz="1600" b="0" dirty="0">
-                <a:solidFill>
-                  <a:srgbClr val="D4D4D4"/>
-                </a:solidFill>
-                <a:effectLst/>
-                <a:latin typeface="Hasklig"/>
-              </a:rPr>
-              <a:t> </a:t>
-            </a:r>
-            <a:r>
-              <a:rPr lang="en-IE" sz="1600" b="0" dirty="0">
-                <a:solidFill>
-                  <a:srgbClr val="DCDCAA"/>
-                </a:solidFill>
-                <a:effectLst/>
-                <a:latin typeface="Hasklig"/>
-              </a:rPr>
-              <a:t>_read</a:t>
-            </a:r>
-            <a:r>
-              <a:rPr lang="en-IE" sz="1600" b="0" dirty="0">
-                <a:solidFill>
-                  <a:srgbClr val="D4D4D4"/>
-                </a:solidFill>
-                <a:effectLst/>
-                <a:latin typeface="Hasklig"/>
-              </a:rPr>
-              <a:t>(</a:t>
-            </a:r>
-            <a:r>
-              <a:rPr lang="en-IE" sz="1600" b="0" dirty="0">
-                <a:solidFill>
-                  <a:srgbClr val="9CDCFE"/>
-                </a:solidFill>
-                <a:effectLst/>
-                <a:latin typeface="Hasklig"/>
-              </a:rPr>
-              <a:t>self</a:t>
-            </a:r>
-            <a:r>
-              <a:rPr lang="en-IE" sz="1600" b="0" dirty="0">
-                <a:solidFill>
-                  <a:srgbClr val="D4D4D4"/>
-                </a:solidFill>
-                <a:effectLst/>
-                <a:latin typeface="Hasklig"/>
-              </a:rPr>
-              <a:t>):</a:t>
-            </a:r>
-          </a:p>
-          <a:p>
-            <a:r>
-              <a:rPr lang="en-IE" sz="1600" b="0" dirty="0">
-                <a:solidFill>
-                  <a:srgbClr val="D4D4D4"/>
-                </a:solidFill>
-                <a:effectLst/>
-                <a:latin typeface="Hasklig"/>
-              </a:rPr>
-              <a:t>        </a:t>
-            </a:r>
-            <a:r>
-              <a:rPr lang="en-IE" sz="1600" b="0" dirty="0">
-                <a:solidFill>
-                  <a:srgbClr val="C586C0"/>
-                </a:solidFill>
-                <a:effectLst/>
-                <a:latin typeface="Hasklig"/>
-              </a:rPr>
-              <a:t>try</a:t>
-            </a:r>
-            <a:r>
-              <a:rPr lang="en-IE" sz="1600" b="0" dirty="0">
-                <a:solidFill>
-                  <a:srgbClr val="D4D4D4"/>
-                </a:solidFill>
-                <a:effectLst/>
-                <a:latin typeface="Hasklig"/>
-              </a:rPr>
-              <a:t>:</a:t>
-            </a:r>
-          </a:p>
-          <a:p>
-            <a:r>
-              <a:rPr lang="en-IE" sz="1600" b="0" dirty="0">
-                <a:solidFill>
-                  <a:srgbClr val="D4D4D4"/>
-                </a:solidFill>
-                <a:effectLst/>
-                <a:latin typeface="Hasklig"/>
-              </a:rPr>
-              <a:t>            </a:t>
-            </a:r>
-            <a:r>
-              <a:rPr lang="en-IE" sz="1600" b="0" dirty="0">
-                <a:solidFill>
-                  <a:srgbClr val="6A9955"/>
-                </a:solidFill>
-                <a:effectLst/>
-                <a:latin typeface="Hasklig"/>
-              </a:rPr>
-              <a:t># Should be ready to read</a:t>
-            </a:r>
-            <a:endParaRPr lang="en-IE" sz="1600" b="0" dirty="0">
-              <a:solidFill>
-                <a:srgbClr val="D4D4D4"/>
-              </a:solidFill>
-              <a:effectLst/>
-              <a:latin typeface="Hasklig"/>
-            </a:endParaRPr>
-          </a:p>
-          <a:p>
-            <a:r>
-              <a:rPr lang="en-IE" sz="1600" b="0" dirty="0">
-                <a:solidFill>
-                  <a:srgbClr val="D4D4D4"/>
-                </a:solidFill>
-                <a:effectLst/>
-                <a:latin typeface="Hasklig"/>
-              </a:rPr>
-              <a:t>            </a:t>
-            </a:r>
-            <a:r>
-              <a:rPr lang="en-IE" sz="1600" b="0" dirty="0">
-                <a:solidFill>
-                  <a:srgbClr val="9CDCFE"/>
-                </a:solidFill>
-                <a:effectLst/>
-                <a:latin typeface="Hasklig"/>
-              </a:rPr>
-              <a:t>data</a:t>
-            </a:r>
-            <a:r>
-              <a:rPr lang="en-IE" sz="1600" b="0" dirty="0">
-                <a:solidFill>
-                  <a:srgbClr val="D4D4D4"/>
-                </a:solidFill>
-                <a:effectLst/>
-                <a:latin typeface="Hasklig"/>
-              </a:rPr>
-              <a:t> = </a:t>
-            </a:r>
-            <a:r>
-              <a:rPr lang="en-IE" sz="1600" b="0" dirty="0" err="1">
-                <a:solidFill>
-                  <a:srgbClr val="9CDCFE"/>
-                </a:solidFill>
-                <a:effectLst/>
-                <a:latin typeface="Hasklig"/>
-              </a:rPr>
-              <a:t>self</a:t>
-            </a:r>
-            <a:r>
-              <a:rPr lang="en-IE" sz="1600" b="0" dirty="0" err="1">
-                <a:solidFill>
-                  <a:srgbClr val="D4D4D4"/>
-                </a:solidFill>
-                <a:effectLst/>
-                <a:latin typeface="Hasklig"/>
-              </a:rPr>
-              <a:t>.</a:t>
-            </a:r>
-            <a:r>
-              <a:rPr lang="en-IE" sz="1600" b="0" dirty="0" err="1">
-                <a:solidFill>
-                  <a:srgbClr val="9CDCFE"/>
-                </a:solidFill>
-                <a:effectLst/>
-                <a:latin typeface="Hasklig"/>
-              </a:rPr>
-              <a:t>sock</a:t>
-            </a:r>
-            <a:r>
-              <a:rPr lang="en-IE" sz="1600" b="0" dirty="0" err="1">
-                <a:solidFill>
-                  <a:srgbClr val="D4D4D4"/>
-                </a:solidFill>
-                <a:effectLst/>
-                <a:latin typeface="Hasklig"/>
-              </a:rPr>
-              <a:t>.recv</a:t>
-            </a:r>
-            <a:r>
-              <a:rPr lang="en-IE" sz="1600" b="0" dirty="0">
-                <a:solidFill>
-                  <a:srgbClr val="D4D4D4"/>
-                </a:solidFill>
-                <a:effectLst/>
-                <a:latin typeface="Hasklig"/>
-              </a:rPr>
-              <a:t>(</a:t>
-            </a:r>
-            <a:r>
-              <a:rPr lang="en-IE" sz="1600" b="0" dirty="0">
-                <a:solidFill>
-                  <a:srgbClr val="B5CEA8"/>
-                </a:solidFill>
-                <a:effectLst/>
-                <a:latin typeface="Hasklig"/>
-              </a:rPr>
-              <a:t>4096</a:t>
-            </a:r>
-            <a:r>
-              <a:rPr lang="en-IE" sz="1600" b="0" dirty="0">
-                <a:solidFill>
-                  <a:srgbClr val="D4D4D4"/>
-                </a:solidFill>
-                <a:effectLst/>
-                <a:latin typeface="Hasklig"/>
-              </a:rPr>
-              <a:t>)</a:t>
-            </a:r>
-          </a:p>
-          <a:p>
-            <a:r>
-              <a:rPr lang="en-IE" sz="1600" b="0" dirty="0">
-                <a:solidFill>
-                  <a:srgbClr val="D4D4D4"/>
-                </a:solidFill>
-                <a:effectLst/>
-                <a:latin typeface="Hasklig"/>
-              </a:rPr>
-              <a:t>        </a:t>
-            </a:r>
-            <a:r>
-              <a:rPr lang="en-IE" sz="1600" b="0" dirty="0">
-                <a:solidFill>
-                  <a:srgbClr val="C586C0"/>
-                </a:solidFill>
-                <a:effectLst/>
-                <a:latin typeface="Hasklig"/>
-              </a:rPr>
-              <a:t>except</a:t>
-            </a:r>
-            <a:r>
-              <a:rPr lang="en-IE" sz="1600" b="0" dirty="0">
-                <a:solidFill>
-                  <a:srgbClr val="D4D4D4"/>
-                </a:solidFill>
-                <a:effectLst/>
-                <a:latin typeface="Hasklig"/>
-              </a:rPr>
-              <a:t> </a:t>
-            </a:r>
-            <a:r>
-              <a:rPr lang="en-IE" sz="1600" b="0" dirty="0" err="1">
-                <a:solidFill>
-                  <a:srgbClr val="4EC9B0"/>
-                </a:solidFill>
-                <a:effectLst/>
-                <a:latin typeface="Hasklig"/>
-              </a:rPr>
-              <a:t>BlockingIOError</a:t>
-            </a:r>
-            <a:r>
-              <a:rPr lang="en-IE" sz="1600" b="0" dirty="0">
-                <a:solidFill>
-                  <a:srgbClr val="D4D4D4"/>
-                </a:solidFill>
-                <a:effectLst/>
-                <a:latin typeface="Hasklig"/>
-              </a:rPr>
-              <a:t>:</a:t>
-            </a:r>
-          </a:p>
-          <a:p>
-            <a:r>
-              <a:rPr lang="en-IE" sz="1600" b="0" dirty="0">
-                <a:solidFill>
-                  <a:srgbClr val="D4D4D4"/>
-                </a:solidFill>
-                <a:effectLst/>
-                <a:latin typeface="Hasklig"/>
-              </a:rPr>
-              <a:t>            </a:t>
-            </a:r>
-            <a:r>
-              <a:rPr lang="en-IE" sz="1600" b="0" dirty="0">
-                <a:solidFill>
-                  <a:srgbClr val="6A9955"/>
-                </a:solidFill>
-                <a:effectLst/>
-                <a:latin typeface="Hasklig"/>
-              </a:rPr>
-              <a:t># Resource temporarily unavailable (</a:t>
-            </a:r>
-            <a:r>
-              <a:rPr lang="en-IE" sz="1600" b="0" dirty="0" err="1">
-                <a:solidFill>
-                  <a:srgbClr val="6A9955"/>
-                </a:solidFill>
-                <a:effectLst/>
-                <a:latin typeface="Hasklig"/>
-              </a:rPr>
-              <a:t>errno</a:t>
-            </a:r>
-            <a:r>
-              <a:rPr lang="en-IE" sz="1600" b="0" dirty="0">
-                <a:solidFill>
-                  <a:srgbClr val="6A9955"/>
-                </a:solidFill>
-                <a:effectLst/>
-                <a:latin typeface="Hasklig"/>
-              </a:rPr>
-              <a:t> EWOULDBLOCK)</a:t>
-            </a:r>
-            <a:endParaRPr lang="en-IE" sz="1600" b="0" dirty="0">
-              <a:solidFill>
-                <a:srgbClr val="D4D4D4"/>
-              </a:solidFill>
-              <a:effectLst/>
-              <a:latin typeface="Hasklig"/>
-            </a:endParaRPr>
-          </a:p>
-          <a:p>
-            <a:r>
-              <a:rPr lang="en-IE" sz="1600" b="0" dirty="0">
-                <a:solidFill>
-                  <a:srgbClr val="D4D4D4"/>
-                </a:solidFill>
-                <a:effectLst/>
-                <a:latin typeface="Hasklig"/>
-              </a:rPr>
-              <a:t>            </a:t>
-            </a:r>
-            <a:r>
-              <a:rPr lang="en-IE" sz="1600" b="0" dirty="0">
-                <a:solidFill>
-                  <a:srgbClr val="C586C0"/>
-                </a:solidFill>
-                <a:effectLst/>
-                <a:latin typeface="Hasklig"/>
-              </a:rPr>
-              <a:t>pass</a:t>
-            </a:r>
-            <a:endParaRPr lang="en-IE" sz="1600" b="0" dirty="0">
-              <a:solidFill>
-                <a:srgbClr val="D4D4D4"/>
-              </a:solidFill>
-              <a:effectLst/>
-              <a:latin typeface="Hasklig"/>
-            </a:endParaRPr>
-          </a:p>
-          <a:p>
-            <a:r>
-              <a:rPr lang="en-IE" sz="1600" b="0" dirty="0">
-                <a:solidFill>
-                  <a:srgbClr val="D4D4D4"/>
-                </a:solidFill>
-                <a:effectLst/>
-                <a:latin typeface="Hasklig"/>
-              </a:rPr>
-              <a:t>        </a:t>
-            </a:r>
-            <a:r>
-              <a:rPr lang="en-IE" sz="1600" b="0" dirty="0">
-                <a:solidFill>
-                  <a:srgbClr val="C586C0"/>
-                </a:solidFill>
-                <a:effectLst/>
-                <a:latin typeface="Hasklig"/>
-              </a:rPr>
-              <a:t>else</a:t>
-            </a:r>
-            <a:r>
-              <a:rPr lang="en-IE" sz="1600" b="0" dirty="0">
-                <a:solidFill>
-                  <a:srgbClr val="D4D4D4"/>
-                </a:solidFill>
-                <a:effectLst/>
-                <a:latin typeface="Hasklig"/>
-              </a:rPr>
-              <a:t>:</a:t>
-            </a:r>
-          </a:p>
-          <a:p>
-            <a:r>
-              <a:rPr lang="en-IE" sz="1600" b="0" dirty="0">
-                <a:solidFill>
-                  <a:srgbClr val="D4D4D4"/>
-                </a:solidFill>
-                <a:effectLst/>
-                <a:latin typeface="Hasklig"/>
-              </a:rPr>
-              <a:t>            </a:t>
-            </a:r>
-            <a:r>
-              <a:rPr lang="en-IE" sz="1600" b="0" dirty="0">
-                <a:solidFill>
-                  <a:srgbClr val="C586C0"/>
-                </a:solidFill>
-                <a:effectLst/>
-                <a:latin typeface="Hasklig"/>
-              </a:rPr>
-              <a:t>if</a:t>
-            </a:r>
-            <a:r>
-              <a:rPr lang="en-IE" sz="1600" b="0" dirty="0">
-                <a:solidFill>
-                  <a:srgbClr val="D4D4D4"/>
-                </a:solidFill>
-                <a:effectLst/>
-                <a:latin typeface="Hasklig"/>
-              </a:rPr>
-              <a:t> </a:t>
-            </a:r>
-            <a:r>
-              <a:rPr lang="en-IE" sz="1600" b="0" dirty="0">
-                <a:solidFill>
-                  <a:srgbClr val="9CDCFE"/>
-                </a:solidFill>
-                <a:effectLst/>
-                <a:latin typeface="Hasklig"/>
-              </a:rPr>
-              <a:t>data</a:t>
-            </a:r>
-            <a:r>
-              <a:rPr lang="en-IE" sz="1600" b="0" dirty="0">
-                <a:solidFill>
-                  <a:srgbClr val="D4D4D4"/>
-                </a:solidFill>
-                <a:effectLst/>
-                <a:latin typeface="Hasklig"/>
-              </a:rPr>
-              <a:t>:</a:t>
-            </a:r>
-          </a:p>
-          <a:p>
-            <a:r>
-              <a:rPr lang="en-IE" sz="1600" b="0" dirty="0">
-                <a:solidFill>
-                  <a:srgbClr val="D4D4D4"/>
-                </a:solidFill>
-                <a:effectLst/>
-                <a:latin typeface="Hasklig"/>
-              </a:rPr>
-              <a:t>                </a:t>
-            </a:r>
-            <a:r>
-              <a:rPr lang="en-IE" sz="1600" b="0" dirty="0">
-                <a:solidFill>
-                  <a:srgbClr val="9CDCFE"/>
-                </a:solidFill>
-                <a:effectLst/>
-                <a:latin typeface="Hasklig"/>
-              </a:rPr>
-              <a:t>self</a:t>
-            </a:r>
-            <a:r>
-              <a:rPr lang="en-IE" sz="1600" b="0" dirty="0">
-                <a:solidFill>
-                  <a:srgbClr val="D4D4D4"/>
-                </a:solidFill>
-                <a:effectLst/>
-                <a:latin typeface="Hasklig"/>
-              </a:rPr>
-              <a:t>.</a:t>
-            </a:r>
-            <a:r>
-              <a:rPr lang="en-IE" sz="1600" b="0" dirty="0">
-                <a:solidFill>
-                  <a:srgbClr val="9CDCFE"/>
-                </a:solidFill>
-                <a:effectLst/>
-                <a:latin typeface="Hasklig"/>
-              </a:rPr>
-              <a:t>_</a:t>
-            </a:r>
-            <a:r>
-              <a:rPr lang="en-IE" sz="1600" b="0" dirty="0" err="1">
-                <a:solidFill>
-                  <a:srgbClr val="9CDCFE"/>
-                </a:solidFill>
-                <a:effectLst/>
-                <a:latin typeface="Hasklig"/>
-              </a:rPr>
-              <a:t>recv_buffer</a:t>
-            </a:r>
-            <a:r>
-              <a:rPr lang="en-IE" sz="1600" b="0" dirty="0">
-                <a:solidFill>
-                  <a:srgbClr val="D4D4D4"/>
-                </a:solidFill>
-                <a:effectLst/>
-                <a:latin typeface="Hasklig"/>
-              </a:rPr>
-              <a:t> += </a:t>
-            </a:r>
-            <a:r>
-              <a:rPr lang="en-IE" sz="1600" b="0" dirty="0">
-                <a:solidFill>
-                  <a:srgbClr val="9CDCFE"/>
-                </a:solidFill>
-                <a:effectLst/>
-                <a:latin typeface="Hasklig"/>
-              </a:rPr>
-              <a:t>data</a:t>
-            </a:r>
-            <a:endParaRPr lang="en-IE" sz="1600" b="0" dirty="0">
-              <a:solidFill>
-                <a:srgbClr val="D4D4D4"/>
-              </a:solidFill>
-              <a:effectLst/>
-              <a:latin typeface="Hasklig"/>
-            </a:endParaRPr>
-          </a:p>
-          <a:p>
-            <a:r>
-              <a:rPr lang="en-IE" sz="1600" b="0" dirty="0">
-                <a:solidFill>
-                  <a:srgbClr val="D4D4D4"/>
-                </a:solidFill>
-                <a:effectLst/>
-                <a:latin typeface="Hasklig"/>
-              </a:rPr>
-              <a:t>            </a:t>
-            </a:r>
-            <a:r>
-              <a:rPr lang="en-IE" sz="1600" b="0" dirty="0">
-                <a:solidFill>
-                  <a:srgbClr val="C586C0"/>
-                </a:solidFill>
-                <a:effectLst/>
-                <a:latin typeface="Hasklig"/>
-              </a:rPr>
-              <a:t>else</a:t>
-            </a:r>
-            <a:r>
-              <a:rPr lang="en-IE" sz="1600" b="0" dirty="0">
-                <a:solidFill>
-                  <a:srgbClr val="D4D4D4"/>
-                </a:solidFill>
-                <a:effectLst/>
-                <a:latin typeface="Hasklig"/>
-              </a:rPr>
-              <a:t>:</a:t>
-            </a:r>
-          </a:p>
-          <a:p>
-            <a:r>
-              <a:rPr lang="en-IE" sz="1600" b="0" dirty="0">
-                <a:solidFill>
-                  <a:srgbClr val="D4D4D4"/>
-                </a:solidFill>
-                <a:effectLst/>
-                <a:latin typeface="Hasklig"/>
-              </a:rPr>
-              <a:t>                </a:t>
-            </a:r>
-            <a:r>
-              <a:rPr lang="en-IE" sz="1600" b="0" dirty="0">
-                <a:solidFill>
-                  <a:srgbClr val="C586C0"/>
-                </a:solidFill>
-                <a:effectLst/>
-                <a:latin typeface="Hasklig"/>
-              </a:rPr>
-              <a:t>raise</a:t>
-            </a:r>
-            <a:r>
-              <a:rPr lang="en-IE" sz="1600" b="0" dirty="0">
-                <a:solidFill>
-                  <a:srgbClr val="D4D4D4"/>
-                </a:solidFill>
-                <a:effectLst/>
-                <a:latin typeface="Hasklig"/>
-              </a:rPr>
-              <a:t> </a:t>
-            </a:r>
-            <a:r>
-              <a:rPr lang="en-IE" sz="1600" b="0" dirty="0" err="1">
-                <a:solidFill>
-                  <a:srgbClr val="4EC9B0"/>
-                </a:solidFill>
-                <a:effectLst/>
-                <a:latin typeface="Hasklig"/>
-              </a:rPr>
-              <a:t>RuntimeError</a:t>
-            </a:r>
-            <a:r>
-              <a:rPr lang="en-IE" sz="1600" b="0" dirty="0">
-                <a:solidFill>
-                  <a:srgbClr val="D4D4D4"/>
-                </a:solidFill>
-                <a:effectLst/>
-                <a:latin typeface="Hasklig"/>
-              </a:rPr>
-              <a:t>(</a:t>
-            </a:r>
-            <a:r>
-              <a:rPr lang="en-IE" sz="1600" b="0" dirty="0">
-                <a:solidFill>
-                  <a:srgbClr val="CE9178"/>
-                </a:solidFill>
-                <a:effectLst/>
-                <a:latin typeface="Hasklig"/>
-              </a:rPr>
-              <a:t>"Peer closed."</a:t>
-            </a:r>
-            <a:r>
-              <a:rPr lang="en-IE" sz="1600" b="0" dirty="0">
-                <a:solidFill>
-                  <a:srgbClr val="D4D4D4"/>
-                </a:solidFill>
-                <a:effectLst/>
-                <a:latin typeface="Hasklig"/>
-              </a:rPr>
-              <a:t>)</a:t>
-            </a:r>
           </a:p>
           <a:p>
             <a:endParaRPr lang="en-IE" dirty="0"/>
